--- a/debug/性能稳定性分享.pptx
+++ b/debug/性能稳定性分享.pptx
@@ -1,38 +1,38 @@
 
 <file path=ppt/presentation.xml><?xml version="1.0" encoding="utf-8"?>
-<p:presentation xmlns:a="http://schemas.openxmlformats.org/drawingml/2006/main" xmlns:r="http://schemas.openxmlformats.org/officeDocument/2006/relationships" xmlns:p="http://schemas.openxmlformats.org/presentationml/2006/main" saveSubsetFonts="1">
+<p:presentation xmlns:a="http://schemas.openxmlformats.org/drawingml/2006/main" xmlns:r="http://schemas.openxmlformats.org/officeDocument/2006/relationships" xmlns:p="http://schemas.openxmlformats.org/presentationml/2006/main">
   <p:sldMasterIdLst>
-    <p:sldMasterId id="2147483660" r:id="rId1"/>
+    <p:sldMasterId id="2147483648" r:id="rId1"/>
   </p:sldMasterIdLst>
   <p:sldIdLst>
-    <p:sldId id="256" r:id="rId2"/>
-    <p:sldId id="265" r:id="rId3"/>
-    <p:sldId id="257" r:id="rId4"/>
-    <p:sldId id="263" r:id="rId5"/>
-    <p:sldId id="264" r:id="rId6"/>
-    <p:sldId id="266" r:id="rId7"/>
-    <p:sldId id="267" r:id="rId8"/>
-    <p:sldId id="259" r:id="rId9"/>
-    <p:sldId id="260" r:id="rId10"/>
-    <p:sldId id="261" r:id="rId11"/>
-    <p:sldId id="262" r:id="rId12"/>
-    <p:sldId id="269" r:id="rId13"/>
-    <p:sldId id="270" r:id="rId14"/>
-    <p:sldId id="271" r:id="rId15"/>
-    <p:sldId id="272" r:id="rId16"/>
-    <p:sldId id="273" r:id="rId17"/>
-    <p:sldId id="274" r:id="rId18"/>
-    <p:sldId id="275" r:id="rId19"/>
-    <p:sldId id="276" r:id="rId20"/>
-    <p:sldId id="277" r:id="rId21"/>
-    <p:sldId id="278" r:id="rId22"/>
-    <p:sldId id="279" r:id="rId23"/>
-    <p:sldId id="280" r:id="rId24"/>
-    <p:sldId id="281" r:id="rId25"/>
-    <p:sldId id="282" r:id="rId26"/>
-    <p:sldId id="283" r:id="rId27"/>
-    <p:sldId id="284" r:id="rId28"/>
-    <p:sldId id="285" r:id="rId29"/>
+    <p:sldId id="256" r:id="rId3"/>
+    <p:sldId id="265" r:id="rId4"/>
+    <p:sldId id="257" r:id="rId5"/>
+    <p:sldId id="263" r:id="rId6"/>
+    <p:sldId id="264" r:id="rId7"/>
+    <p:sldId id="266" r:id="rId8"/>
+    <p:sldId id="267" r:id="rId9"/>
+    <p:sldId id="259" r:id="rId10"/>
+    <p:sldId id="260" r:id="rId11"/>
+    <p:sldId id="261" r:id="rId12"/>
+    <p:sldId id="262" r:id="rId13"/>
+    <p:sldId id="269" r:id="rId14"/>
+    <p:sldId id="270" r:id="rId15"/>
+    <p:sldId id="271" r:id="rId16"/>
+    <p:sldId id="272" r:id="rId17"/>
+    <p:sldId id="273" r:id="rId18"/>
+    <p:sldId id="274" r:id="rId19"/>
+    <p:sldId id="275" r:id="rId20"/>
+    <p:sldId id="276" r:id="rId21"/>
+    <p:sldId id="277" r:id="rId22"/>
+    <p:sldId id="278" r:id="rId23"/>
+    <p:sldId id="279" r:id="rId24"/>
+    <p:sldId id="280" r:id="rId25"/>
+    <p:sldId id="281" r:id="rId26"/>
+    <p:sldId id="282" r:id="rId27"/>
+    <p:sldId id="283" r:id="rId28"/>
+    <p:sldId id="284" r:id="rId29"/>
+    <p:sldId id="285" r:id="rId30"/>
   </p:sldIdLst>
   <p:sldSz cx="12192000" cy="6858000"/>
   <p:notesSz cx="6858000" cy="9144000"/>
@@ -131,16 +131,11 @@
       </a:defRPr>
     </a:lvl9pPr>
   </p:defaultTextStyle>
-  <p:extLst>
-    <p:ext uri="{EFAFB233-063F-42B5-8137-9DF3F51BA10A}">
-      <p15:sldGuideLst xmlns:p15="http://schemas.microsoft.com/office/powerpoint/2012/main"/>
-    </p:ext>
-  </p:extLst>
 </p:presentation>
 </file>
 
 <file path=ppt/slideLayouts/slideLayout1.xml><?xml version="1.0" encoding="utf-8"?>
-<p:sldLayout xmlns:a="http://schemas.openxmlformats.org/drawingml/2006/main" xmlns:r="http://schemas.openxmlformats.org/officeDocument/2006/relationships" xmlns:p="http://schemas.openxmlformats.org/presentationml/2006/main" showMasterSp="0" type="title" preserve="1">
+<p:sldLayout xmlns:a="http://schemas.openxmlformats.org/drawingml/2006/main" xmlns:r="http://schemas.openxmlformats.org/officeDocument/2006/relationships" xmlns:p="http://schemas.openxmlformats.org/presentationml/2006/main" type="title" preserve="1" showMasterSp="0">
   <p:cSld name="标题幻灯片">
     <p:spTree>
       <p:nvGrpSpPr>
@@ -330,7 +325,6 @@
           <a:p>
             <a:fld id="{58936D1E-ACA8-46F2-B767-16D6FBB4A4D1}" type="datetimeFigureOut">
               <a:rPr lang="zh-CN" altLang="en-US" smtClean="0"/>
-              <a:t>2017/8/24</a:t>
             </a:fld>
             <a:endParaRPr lang="zh-CN" altLang="en-US"/>
           </a:p>
@@ -372,7 +366,6 @@
           <a:p>
             <a:fld id="{8404C24E-94DB-4729-B73F-7166A497D3A5}" type="slidenum">
               <a:rPr lang="zh-CN" altLang="en-US" smtClean="0"/>
-              <a:t>‹#›</a:t>
             </a:fld>
             <a:endParaRPr lang="zh-CN" altLang="en-US"/>
           </a:p>
@@ -554,11 +547,6 @@
         </p:style>
       </p:cxnSp>
     </p:spTree>
-    <p:extLst>
-      <p:ext uri="{BB962C8B-B14F-4D97-AF65-F5344CB8AC3E}">
-        <p14:creationId xmlns:p14="http://schemas.microsoft.com/office/powerpoint/2010/main" val="1025338604"/>
-      </p:ext>
-    </p:extLst>
   </p:cSld>
   <p:clrMapOvr>
     <a:masterClrMapping/>
@@ -746,6 +734,7 @@
               <a:rPr lang="zh-CN" altLang="en-US" smtClean="0"/>
               <a:t>单击此处编辑母版文本样式</a:t>
             </a:r>
+            <a:endParaRPr lang="zh-CN" altLang="en-US" smtClean="0"/>
           </a:p>
         </p:txBody>
       </p:sp>
@@ -766,7 +755,6 @@
           <a:p>
             <a:fld id="{58936D1E-ACA8-46F2-B767-16D6FBB4A4D1}" type="datetimeFigureOut">
               <a:rPr lang="zh-CN" altLang="en-US" smtClean="0"/>
-              <a:t>2017/8/24</a:t>
             </a:fld>
             <a:endParaRPr lang="zh-CN" altLang="en-US"/>
           </a:p>
@@ -808,18 +796,12 @@
           <a:p>
             <a:fld id="{8404C24E-94DB-4729-B73F-7166A497D3A5}" type="slidenum">
               <a:rPr lang="zh-CN" altLang="en-US" smtClean="0"/>
-              <a:t>‹#›</a:t>
             </a:fld>
             <a:endParaRPr lang="zh-CN" altLang="en-US"/>
           </a:p>
         </p:txBody>
       </p:sp>
     </p:spTree>
-    <p:extLst>
-      <p:ext uri="{BB962C8B-B14F-4D97-AF65-F5344CB8AC3E}">
-        <p14:creationId xmlns:p14="http://schemas.microsoft.com/office/powerpoint/2010/main" val="4022150039"/>
-      </p:ext>
-    </p:extLst>
   </p:cSld>
   <p:clrMapOvr>
     <a:masterClrMapping/>
@@ -996,6 +978,7 @@
               <a:rPr lang="zh-CN" altLang="en-US" smtClean="0"/>
               <a:t>单击此处编辑母版文本样式</a:t>
             </a:r>
+            <a:endParaRPr lang="zh-CN" altLang="en-US" smtClean="0"/>
           </a:p>
         </p:txBody>
       </p:sp>
@@ -1016,7 +999,6 @@
           <a:p>
             <a:fld id="{58936D1E-ACA8-46F2-B767-16D6FBB4A4D1}" type="datetimeFigureOut">
               <a:rPr lang="zh-CN" altLang="en-US" smtClean="0"/>
-              <a:t>2017/8/24</a:t>
             </a:fld>
             <a:endParaRPr lang="zh-CN" altLang="en-US"/>
           </a:p>
@@ -1058,18 +1040,12 @@
           <a:p>
             <a:fld id="{8404C24E-94DB-4729-B73F-7166A497D3A5}" type="slidenum">
               <a:rPr lang="zh-CN" altLang="en-US" smtClean="0"/>
-              <a:t>‹#›</a:t>
             </a:fld>
             <a:endParaRPr lang="zh-CN" altLang="en-US"/>
           </a:p>
         </p:txBody>
       </p:sp>
     </p:spTree>
-    <p:extLst>
-      <p:ext uri="{BB962C8B-B14F-4D97-AF65-F5344CB8AC3E}">
-        <p14:creationId xmlns:p14="http://schemas.microsoft.com/office/powerpoint/2010/main" val="3502867499"/>
-      </p:ext>
-    </p:extLst>
   </p:cSld>
   <p:clrMapOvr>
     <a:masterClrMapping/>
@@ -1183,6 +1159,7 @@
               <a:rPr lang="zh-CN" altLang="en-US" smtClean="0"/>
               <a:t>单击此处编辑母版文本样式</a:t>
             </a:r>
+            <a:endParaRPr lang="zh-CN" altLang="en-US" smtClean="0"/>
           </a:p>
         </p:txBody>
       </p:sp>
@@ -1304,6 +1281,7 @@
               <a:rPr lang="zh-CN" altLang="en-US" smtClean="0"/>
               <a:t>单击此处编辑母版文本样式</a:t>
             </a:r>
+            <a:endParaRPr lang="zh-CN" altLang="en-US" smtClean="0"/>
           </a:p>
         </p:txBody>
       </p:sp>
@@ -1324,7 +1302,6 @@
           <a:p>
             <a:fld id="{58936D1E-ACA8-46F2-B767-16D6FBB4A4D1}" type="datetimeFigureOut">
               <a:rPr lang="zh-CN" altLang="en-US" smtClean="0"/>
-              <a:t>2017/8/24</a:t>
             </a:fld>
             <a:endParaRPr lang="zh-CN" altLang="en-US"/>
           </a:p>
@@ -1366,7 +1343,6 @@
           <a:p>
             <a:fld id="{8404C24E-94DB-4729-B73F-7166A497D3A5}" type="slidenum">
               <a:rPr lang="zh-CN" altLang="en-US" smtClean="0"/>
-              <a:t>‹#›</a:t>
             </a:fld>
             <a:endParaRPr lang="zh-CN" altLang="en-US"/>
           </a:p>
@@ -1403,6 +1379,12 @@
               </a:rPr>
               <a:t>“</a:t>
             </a:r>
+            <a:endParaRPr lang="en-US" sz="8000" dirty="0">
+              <a:solidFill>
+                <a:schemeClr val="tx1"/>
+              </a:solidFill>
+              <a:effectLst/>
+            </a:endParaRPr>
           </a:p>
         </p:txBody>
       </p:sp>
@@ -1437,15 +1419,16 @@
               </a:rPr>
               <a:t>”</a:t>
             </a:r>
+            <a:endParaRPr lang="en-US" sz="8000" dirty="0">
+              <a:solidFill>
+                <a:schemeClr val="tx1"/>
+              </a:solidFill>
+              <a:effectLst/>
+            </a:endParaRPr>
           </a:p>
         </p:txBody>
       </p:sp>
     </p:spTree>
-    <p:extLst>
-      <p:ext uri="{BB962C8B-B14F-4D97-AF65-F5344CB8AC3E}">
-        <p14:creationId xmlns:p14="http://schemas.microsoft.com/office/powerpoint/2010/main" val="3118535369"/>
-      </p:ext>
-    </p:extLst>
   </p:cSld>
   <p:clrMapOvr>
     <a:masterClrMapping/>
@@ -1622,6 +1605,7 @@
               <a:rPr lang="zh-CN" altLang="en-US" smtClean="0"/>
               <a:t>单击此处编辑母版文本样式</a:t>
             </a:r>
+            <a:endParaRPr lang="zh-CN" altLang="en-US" smtClean="0"/>
           </a:p>
         </p:txBody>
       </p:sp>
@@ -1642,7 +1626,6 @@
           <a:p>
             <a:fld id="{58936D1E-ACA8-46F2-B767-16D6FBB4A4D1}" type="datetimeFigureOut">
               <a:rPr lang="zh-CN" altLang="en-US" smtClean="0"/>
-              <a:t>2017/8/24</a:t>
             </a:fld>
             <a:endParaRPr lang="zh-CN" altLang="en-US"/>
           </a:p>
@@ -1684,18 +1667,12 @@
           <a:p>
             <a:fld id="{8404C24E-94DB-4729-B73F-7166A497D3A5}" type="slidenum">
               <a:rPr lang="zh-CN" altLang="en-US" smtClean="0"/>
-              <a:t>‹#›</a:t>
             </a:fld>
             <a:endParaRPr lang="zh-CN" altLang="en-US"/>
           </a:p>
         </p:txBody>
       </p:sp>
     </p:spTree>
-    <p:extLst>
-      <p:ext uri="{BB962C8B-B14F-4D97-AF65-F5344CB8AC3E}">
-        <p14:creationId xmlns:p14="http://schemas.microsoft.com/office/powerpoint/2010/main" val="3063525058"/>
-      </p:ext>
-    </p:extLst>
   </p:cSld>
   <p:clrMapOvr>
     <a:masterClrMapping/>
@@ -1803,6 +1780,7 @@
               <a:rPr lang="zh-CN" altLang="en-US" smtClean="0"/>
               <a:t>单击此处编辑母版文本样式</a:t>
             </a:r>
+            <a:endParaRPr lang="zh-CN" altLang="en-US" smtClean="0"/>
           </a:p>
         </p:txBody>
       </p:sp>
@@ -1924,6 +1902,7 @@
               <a:rPr lang="zh-CN" altLang="en-US" smtClean="0"/>
               <a:t>单击此处编辑母版文本样式</a:t>
             </a:r>
+            <a:endParaRPr lang="zh-CN" altLang="en-US" smtClean="0"/>
           </a:p>
         </p:txBody>
       </p:sp>
@@ -1944,7 +1923,6 @@
           <a:p>
             <a:fld id="{58936D1E-ACA8-46F2-B767-16D6FBB4A4D1}" type="datetimeFigureOut">
               <a:rPr lang="zh-CN" altLang="en-US" smtClean="0"/>
-              <a:t>2017/8/24</a:t>
             </a:fld>
             <a:endParaRPr lang="zh-CN" altLang="en-US"/>
           </a:p>
@@ -1986,7 +1964,6 @@
           <a:p>
             <a:fld id="{8404C24E-94DB-4729-B73F-7166A497D3A5}" type="slidenum">
               <a:rPr lang="zh-CN" altLang="en-US" smtClean="0"/>
-              <a:t>‹#›</a:t>
             </a:fld>
             <a:endParaRPr lang="zh-CN" altLang="en-US"/>
           </a:p>
@@ -2023,6 +2000,12 @@
               </a:rPr>
               <a:t>“</a:t>
             </a:r>
+            <a:endParaRPr lang="en-US" sz="8000" dirty="0">
+              <a:solidFill>
+                <a:schemeClr val="tx1"/>
+              </a:solidFill>
+              <a:effectLst/>
+            </a:endParaRPr>
           </a:p>
         </p:txBody>
       </p:sp>
@@ -2057,15 +2040,16 @@
               </a:rPr>
               <a:t>”</a:t>
             </a:r>
+            <a:endParaRPr lang="en-US" sz="8000" dirty="0">
+              <a:solidFill>
+                <a:schemeClr val="tx1"/>
+              </a:solidFill>
+              <a:effectLst/>
+            </a:endParaRPr>
           </a:p>
         </p:txBody>
       </p:sp>
     </p:spTree>
-    <p:extLst>
-      <p:ext uri="{BB962C8B-B14F-4D97-AF65-F5344CB8AC3E}">
-        <p14:creationId xmlns:p14="http://schemas.microsoft.com/office/powerpoint/2010/main" val="1479609038"/>
-      </p:ext>
-    </p:extLst>
   </p:cSld>
   <p:clrMapOvr>
     <a:masterClrMapping/>
@@ -2170,6 +2154,7 @@
               <a:rPr lang="zh-CN" altLang="en-US" smtClean="0"/>
               <a:t>单击此处编辑母版文本样式</a:t>
             </a:r>
+            <a:endParaRPr lang="zh-CN" altLang="en-US" smtClean="0"/>
           </a:p>
         </p:txBody>
       </p:sp>
@@ -2291,6 +2276,7 @@
               <a:rPr lang="zh-CN" altLang="en-US" smtClean="0"/>
               <a:t>单击此处编辑母版文本样式</a:t>
             </a:r>
+            <a:endParaRPr lang="zh-CN" altLang="en-US" smtClean="0"/>
           </a:p>
         </p:txBody>
       </p:sp>
@@ -2311,7 +2297,6 @@
           <a:p>
             <a:fld id="{58936D1E-ACA8-46F2-B767-16D6FBB4A4D1}" type="datetimeFigureOut">
               <a:rPr lang="zh-CN" altLang="en-US" smtClean="0"/>
-              <a:t>2017/8/24</a:t>
             </a:fld>
             <a:endParaRPr lang="zh-CN" altLang="en-US"/>
           </a:p>
@@ -2353,18 +2338,12 @@
           <a:p>
             <a:fld id="{8404C24E-94DB-4729-B73F-7166A497D3A5}" type="slidenum">
               <a:rPr lang="zh-CN" altLang="en-US" smtClean="0"/>
-              <a:t>‹#›</a:t>
             </a:fld>
             <a:endParaRPr lang="zh-CN" altLang="en-US"/>
           </a:p>
         </p:txBody>
       </p:sp>
     </p:spTree>
-    <p:extLst>
-      <p:ext uri="{BB962C8B-B14F-4D97-AF65-F5344CB8AC3E}">
-        <p14:creationId xmlns:p14="http://schemas.microsoft.com/office/powerpoint/2010/main" val="2376592835"/>
-      </p:ext>
-    </p:extLst>
   </p:cSld>
   <p:clrMapOvr>
     <a:masterClrMapping/>
@@ -2436,6 +2415,7 @@
               <a:rPr lang="zh-CN" altLang="en-US" smtClean="0"/>
               <a:t>单击此处编辑母版文本样式</a:t>
             </a:r>
+            <a:endParaRPr lang="zh-CN" altLang="en-US" smtClean="0"/>
           </a:p>
           <a:p>
             <a:pPr lvl="1"/>
@@ -2443,6 +2423,7 @@
               <a:rPr lang="zh-CN" altLang="en-US" smtClean="0"/>
               <a:t>第二级</a:t>
             </a:r>
+            <a:endParaRPr lang="zh-CN" altLang="en-US" smtClean="0"/>
           </a:p>
           <a:p>
             <a:pPr lvl="2"/>
@@ -2450,6 +2431,7 @@
               <a:rPr lang="zh-CN" altLang="en-US" smtClean="0"/>
               <a:t>第三级</a:t>
             </a:r>
+            <a:endParaRPr lang="zh-CN" altLang="en-US" smtClean="0"/>
           </a:p>
           <a:p>
             <a:pPr lvl="3"/>
@@ -2457,6 +2439,7 @@
               <a:rPr lang="zh-CN" altLang="en-US" smtClean="0"/>
               <a:t>第四级</a:t>
             </a:r>
+            <a:endParaRPr lang="zh-CN" altLang="en-US" smtClean="0"/>
           </a:p>
           <a:p>
             <a:pPr lvl="4"/>
@@ -2485,7 +2468,6 @@
           <a:p>
             <a:fld id="{58936D1E-ACA8-46F2-B767-16D6FBB4A4D1}" type="datetimeFigureOut">
               <a:rPr lang="zh-CN" altLang="en-US" smtClean="0"/>
-              <a:t>2017/8/24</a:t>
             </a:fld>
             <a:endParaRPr lang="zh-CN" altLang="en-US"/>
           </a:p>
@@ -2527,18 +2509,12 @@
           <a:p>
             <a:fld id="{8404C24E-94DB-4729-B73F-7166A497D3A5}" type="slidenum">
               <a:rPr lang="zh-CN" altLang="en-US" smtClean="0"/>
-              <a:t>‹#›</a:t>
             </a:fld>
             <a:endParaRPr lang="zh-CN" altLang="en-US"/>
           </a:p>
         </p:txBody>
       </p:sp>
     </p:spTree>
-    <p:extLst>
-      <p:ext uri="{BB962C8B-B14F-4D97-AF65-F5344CB8AC3E}">
-        <p14:creationId xmlns:p14="http://schemas.microsoft.com/office/powerpoint/2010/main" val="2504861578"/>
-      </p:ext>
-    </p:extLst>
   </p:cSld>
   <p:clrMapOvr>
     <a:masterClrMapping/>
@@ -2616,6 +2592,7 @@
               <a:rPr lang="zh-CN" altLang="en-US" smtClean="0"/>
               <a:t>单击此处编辑母版文本样式</a:t>
             </a:r>
+            <a:endParaRPr lang="zh-CN" altLang="en-US" smtClean="0"/>
           </a:p>
           <a:p>
             <a:pPr lvl="1"/>
@@ -2623,6 +2600,7 @@
               <a:rPr lang="zh-CN" altLang="en-US" smtClean="0"/>
               <a:t>第二级</a:t>
             </a:r>
+            <a:endParaRPr lang="zh-CN" altLang="en-US" smtClean="0"/>
           </a:p>
           <a:p>
             <a:pPr lvl="2"/>
@@ -2630,6 +2608,7 @@
               <a:rPr lang="zh-CN" altLang="en-US" smtClean="0"/>
               <a:t>第三级</a:t>
             </a:r>
+            <a:endParaRPr lang="zh-CN" altLang="en-US" smtClean="0"/>
           </a:p>
           <a:p>
             <a:pPr lvl="3"/>
@@ -2637,6 +2616,7 @@
               <a:rPr lang="zh-CN" altLang="en-US" smtClean="0"/>
               <a:t>第四级</a:t>
             </a:r>
+            <a:endParaRPr lang="zh-CN" altLang="en-US" smtClean="0"/>
           </a:p>
           <a:p>
             <a:pPr lvl="4"/>
@@ -2665,7 +2645,6 @@
           <a:p>
             <a:fld id="{58936D1E-ACA8-46F2-B767-16D6FBB4A4D1}" type="datetimeFigureOut">
               <a:rPr lang="zh-CN" altLang="en-US" smtClean="0"/>
-              <a:t>2017/8/24</a:t>
             </a:fld>
             <a:endParaRPr lang="zh-CN" altLang="en-US"/>
           </a:p>
@@ -2707,18 +2686,12 @@
           <a:p>
             <a:fld id="{8404C24E-94DB-4729-B73F-7166A497D3A5}" type="slidenum">
               <a:rPr lang="zh-CN" altLang="en-US" smtClean="0"/>
-              <a:t>‹#›</a:t>
             </a:fld>
             <a:endParaRPr lang="zh-CN" altLang="en-US"/>
           </a:p>
         </p:txBody>
       </p:sp>
     </p:spTree>
-    <p:extLst>
-      <p:ext uri="{BB962C8B-B14F-4D97-AF65-F5344CB8AC3E}">
-        <p14:creationId xmlns:p14="http://schemas.microsoft.com/office/powerpoint/2010/main" val="2222076232"/>
-      </p:ext>
-    </p:extLst>
   </p:cSld>
   <p:clrMapOvr>
     <a:masterClrMapping/>
@@ -2786,6 +2759,7 @@
               <a:rPr lang="zh-CN" altLang="en-US" smtClean="0"/>
               <a:t>单击此处编辑母版文本样式</a:t>
             </a:r>
+            <a:endParaRPr lang="zh-CN" altLang="en-US" smtClean="0"/>
           </a:p>
           <a:p>
             <a:pPr lvl="1"/>
@@ -2793,6 +2767,7 @@
               <a:rPr lang="zh-CN" altLang="en-US" smtClean="0"/>
               <a:t>第二级</a:t>
             </a:r>
+            <a:endParaRPr lang="zh-CN" altLang="en-US" smtClean="0"/>
           </a:p>
           <a:p>
             <a:pPr lvl="2"/>
@@ -2800,6 +2775,7 @@
               <a:rPr lang="zh-CN" altLang="en-US" smtClean="0"/>
               <a:t>第三级</a:t>
             </a:r>
+            <a:endParaRPr lang="zh-CN" altLang="en-US" smtClean="0"/>
           </a:p>
           <a:p>
             <a:pPr lvl="3"/>
@@ -2807,6 +2783,7 @@
               <a:rPr lang="zh-CN" altLang="en-US" smtClean="0"/>
               <a:t>第四级</a:t>
             </a:r>
+            <a:endParaRPr lang="zh-CN" altLang="en-US" smtClean="0"/>
           </a:p>
           <a:p>
             <a:pPr lvl="4"/>
@@ -2835,7 +2812,6 @@
           <a:p>
             <a:fld id="{58936D1E-ACA8-46F2-B767-16D6FBB4A4D1}" type="datetimeFigureOut">
               <a:rPr lang="zh-CN" altLang="en-US" smtClean="0"/>
-              <a:t>2017/8/24</a:t>
             </a:fld>
             <a:endParaRPr lang="zh-CN" altLang="en-US"/>
           </a:p>
@@ -2877,18 +2853,12 @@
           <a:p>
             <a:fld id="{8404C24E-94DB-4729-B73F-7166A497D3A5}" type="slidenum">
               <a:rPr lang="zh-CN" altLang="en-US" smtClean="0"/>
-              <a:t>‹#›</a:t>
             </a:fld>
             <a:endParaRPr lang="zh-CN" altLang="en-US"/>
           </a:p>
         </p:txBody>
       </p:sp>
     </p:spTree>
-    <p:extLst>
-      <p:ext uri="{BB962C8B-B14F-4D97-AF65-F5344CB8AC3E}">
-        <p14:creationId xmlns:p14="http://schemas.microsoft.com/office/powerpoint/2010/main" val="3699080010"/>
-      </p:ext>
-    </p:extLst>
   </p:cSld>
   <p:clrMapOvr>
     <a:masterClrMapping/>
@@ -3065,6 +3035,7 @@
               <a:rPr lang="zh-CN" altLang="en-US" smtClean="0"/>
               <a:t>单击此处编辑母版文本样式</a:t>
             </a:r>
+            <a:endParaRPr lang="zh-CN" altLang="en-US" smtClean="0"/>
           </a:p>
         </p:txBody>
       </p:sp>
@@ -3085,7 +3056,6 @@
           <a:p>
             <a:fld id="{58936D1E-ACA8-46F2-B767-16D6FBB4A4D1}" type="datetimeFigureOut">
               <a:rPr lang="zh-CN" altLang="en-US" smtClean="0"/>
-              <a:t>2017/8/24</a:t>
             </a:fld>
             <a:endParaRPr lang="zh-CN" altLang="en-US"/>
           </a:p>
@@ -3127,18 +3097,12 @@
           <a:p>
             <a:fld id="{8404C24E-94DB-4729-B73F-7166A497D3A5}" type="slidenum">
               <a:rPr lang="zh-CN" altLang="en-US" smtClean="0"/>
-              <a:t>‹#›</a:t>
             </a:fld>
             <a:endParaRPr lang="zh-CN" altLang="en-US"/>
           </a:p>
         </p:txBody>
       </p:sp>
     </p:spTree>
-    <p:extLst>
-      <p:ext uri="{BB962C8B-B14F-4D97-AF65-F5344CB8AC3E}">
-        <p14:creationId xmlns:p14="http://schemas.microsoft.com/office/powerpoint/2010/main" val="86498493"/>
-      </p:ext>
-    </p:extLst>
   </p:cSld>
   <p:clrMapOvr>
     <a:masterClrMapping/>
@@ -3213,6 +3177,7 @@
               <a:rPr lang="zh-CN" altLang="en-US" smtClean="0"/>
               <a:t>单击此处编辑母版文本样式</a:t>
             </a:r>
+            <a:endParaRPr lang="zh-CN" altLang="en-US" smtClean="0"/>
           </a:p>
           <a:p>
             <a:pPr lvl="1"/>
@@ -3220,6 +3185,7 @@
               <a:rPr lang="zh-CN" altLang="en-US" smtClean="0"/>
               <a:t>第二级</a:t>
             </a:r>
+            <a:endParaRPr lang="zh-CN" altLang="en-US" smtClean="0"/>
           </a:p>
           <a:p>
             <a:pPr lvl="2"/>
@@ -3227,6 +3193,7 @@
               <a:rPr lang="zh-CN" altLang="en-US" smtClean="0"/>
               <a:t>第三级</a:t>
             </a:r>
+            <a:endParaRPr lang="zh-CN" altLang="en-US" smtClean="0"/>
           </a:p>
           <a:p>
             <a:pPr lvl="3"/>
@@ -3234,6 +3201,7 @@
               <a:rPr lang="zh-CN" altLang="en-US" smtClean="0"/>
               <a:t>第四级</a:t>
             </a:r>
+            <a:endParaRPr lang="zh-CN" altLang="en-US" smtClean="0"/>
           </a:p>
           <a:p>
             <a:pPr lvl="4"/>
@@ -3272,6 +3240,7 @@
               <a:rPr lang="zh-CN" altLang="en-US" smtClean="0"/>
               <a:t>单击此处编辑母版文本样式</a:t>
             </a:r>
+            <a:endParaRPr lang="zh-CN" altLang="en-US" smtClean="0"/>
           </a:p>
           <a:p>
             <a:pPr lvl="1"/>
@@ -3279,6 +3248,7 @@
               <a:rPr lang="zh-CN" altLang="en-US" smtClean="0"/>
               <a:t>第二级</a:t>
             </a:r>
+            <a:endParaRPr lang="zh-CN" altLang="en-US" smtClean="0"/>
           </a:p>
           <a:p>
             <a:pPr lvl="2"/>
@@ -3286,6 +3256,7 @@
               <a:rPr lang="zh-CN" altLang="en-US" smtClean="0"/>
               <a:t>第三级</a:t>
             </a:r>
+            <a:endParaRPr lang="zh-CN" altLang="en-US" smtClean="0"/>
           </a:p>
           <a:p>
             <a:pPr lvl="3"/>
@@ -3293,6 +3264,7 @@
               <a:rPr lang="zh-CN" altLang="en-US" smtClean="0"/>
               <a:t>第四级</a:t>
             </a:r>
+            <a:endParaRPr lang="zh-CN" altLang="en-US" smtClean="0"/>
           </a:p>
           <a:p>
             <a:pPr lvl="4"/>
@@ -3321,7 +3293,6 @@
           <a:p>
             <a:fld id="{58936D1E-ACA8-46F2-B767-16D6FBB4A4D1}" type="datetimeFigureOut">
               <a:rPr lang="zh-CN" altLang="en-US" smtClean="0"/>
-              <a:t>2017/8/24</a:t>
             </a:fld>
             <a:endParaRPr lang="zh-CN" altLang="en-US"/>
           </a:p>
@@ -3363,18 +3334,12 @@
           <a:p>
             <a:fld id="{8404C24E-94DB-4729-B73F-7166A497D3A5}" type="slidenum">
               <a:rPr lang="zh-CN" altLang="en-US" smtClean="0"/>
-              <a:t>‹#›</a:t>
             </a:fld>
             <a:endParaRPr lang="zh-CN" altLang="en-US"/>
           </a:p>
         </p:txBody>
       </p:sp>
     </p:spTree>
-    <p:extLst>
-      <p:ext uri="{BB962C8B-B14F-4D97-AF65-F5344CB8AC3E}">
-        <p14:creationId xmlns:p14="http://schemas.microsoft.com/office/powerpoint/2010/main" val="935545052"/>
-      </p:ext>
-    </p:extLst>
   </p:cSld>
   <p:clrMapOvr>
     <a:masterClrMapping/>
@@ -3494,6 +3459,7 @@
               <a:rPr lang="zh-CN" altLang="en-US" smtClean="0"/>
               <a:t>单击此处编辑母版文本样式</a:t>
             </a:r>
+            <a:endParaRPr lang="zh-CN" altLang="en-US" smtClean="0"/>
           </a:p>
         </p:txBody>
       </p:sp>
@@ -3524,6 +3490,7 @@
               <a:rPr lang="zh-CN" altLang="en-US" smtClean="0"/>
               <a:t>单击此处编辑母版文本样式</a:t>
             </a:r>
+            <a:endParaRPr lang="zh-CN" altLang="en-US" smtClean="0"/>
           </a:p>
           <a:p>
             <a:pPr lvl="1"/>
@@ -3531,6 +3498,7 @@
               <a:rPr lang="zh-CN" altLang="en-US" smtClean="0"/>
               <a:t>第二级</a:t>
             </a:r>
+            <a:endParaRPr lang="zh-CN" altLang="en-US" smtClean="0"/>
           </a:p>
           <a:p>
             <a:pPr lvl="2"/>
@@ -3538,6 +3506,7 @@
               <a:rPr lang="zh-CN" altLang="en-US" smtClean="0"/>
               <a:t>第三级</a:t>
             </a:r>
+            <a:endParaRPr lang="zh-CN" altLang="en-US" smtClean="0"/>
           </a:p>
           <a:p>
             <a:pPr lvl="3"/>
@@ -3545,6 +3514,7 @@
               <a:rPr lang="zh-CN" altLang="en-US" smtClean="0"/>
               <a:t>第四级</a:t>
             </a:r>
+            <a:endParaRPr lang="zh-CN" altLang="en-US" smtClean="0"/>
           </a:p>
           <a:p>
             <a:pPr lvl="4"/>
@@ -3624,6 +3594,7 @@
               <a:rPr lang="zh-CN" altLang="en-US" smtClean="0"/>
               <a:t>单击此处编辑母版文本样式</a:t>
             </a:r>
+            <a:endParaRPr lang="zh-CN" altLang="en-US" smtClean="0"/>
           </a:p>
         </p:txBody>
       </p:sp>
@@ -3654,6 +3625,7 @@
               <a:rPr lang="zh-CN" altLang="en-US" smtClean="0"/>
               <a:t>单击此处编辑母版文本样式</a:t>
             </a:r>
+            <a:endParaRPr lang="zh-CN" altLang="en-US" smtClean="0"/>
           </a:p>
           <a:p>
             <a:pPr lvl="1"/>
@@ -3661,6 +3633,7 @@
               <a:rPr lang="zh-CN" altLang="en-US" smtClean="0"/>
               <a:t>第二级</a:t>
             </a:r>
+            <a:endParaRPr lang="zh-CN" altLang="en-US" smtClean="0"/>
           </a:p>
           <a:p>
             <a:pPr lvl="2"/>
@@ -3668,6 +3641,7 @@
               <a:rPr lang="zh-CN" altLang="en-US" smtClean="0"/>
               <a:t>第三级</a:t>
             </a:r>
+            <a:endParaRPr lang="zh-CN" altLang="en-US" smtClean="0"/>
           </a:p>
           <a:p>
             <a:pPr lvl="3"/>
@@ -3675,6 +3649,7 @@
               <a:rPr lang="zh-CN" altLang="en-US" smtClean="0"/>
               <a:t>第四级</a:t>
             </a:r>
+            <a:endParaRPr lang="zh-CN" altLang="en-US" smtClean="0"/>
           </a:p>
           <a:p>
             <a:pPr lvl="4"/>
@@ -3703,7 +3678,6 @@
           <a:p>
             <a:fld id="{58936D1E-ACA8-46F2-B767-16D6FBB4A4D1}" type="datetimeFigureOut">
               <a:rPr lang="zh-CN" altLang="en-US" smtClean="0"/>
-              <a:t>2017/8/24</a:t>
             </a:fld>
             <a:endParaRPr lang="zh-CN" altLang="en-US"/>
           </a:p>
@@ -3745,18 +3719,12 @@
           <a:p>
             <a:fld id="{8404C24E-94DB-4729-B73F-7166A497D3A5}" type="slidenum">
               <a:rPr lang="zh-CN" altLang="en-US" smtClean="0"/>
-              <a:t>‹#›</a:t>
             </a:fld>
             <a:endParaRPr lang="zh-CN" altLang="en-US"/>
           </a:p>
         </p:txBody>
       </p:sp>
     </p:spTree>
-    <p:extLst>
-      <p:ext uri="{BB962C8B-B14F-4D97-AF65-F5344CB8AC3E}">
-        <p14:creationId xmlns:p14="http://schemas.microsoft.com/office/powerpoint/2010/main" val="4240840929"/>
-      </p:ext>
-    </p:extLst>
   </p:cSld>
   <p:clrMapOvr>
     <a:masterClrMapping/>
@@ -3821,7 +3789,6 @@
           <a:p>
             <a:fld id="{58936D1E-ACA8-46F2-B767-16D6FBB4A4D1}" type="datetimeFigureOut">
               <a:rPr lang="zh-CN" altLang="en-US" smtClean="0"/>
-              <a:t>2017/8/24</a:t>
             </a:fld>
             <a:endParaRPr lang="zh-CN" altLang="en-US"/>
           </a:p>
@@ -3863,18 +3830,12 @@
           <a:p>
             <a:fld id="{8404C24E-94DB-4729-B73F-7166A497D3A5}" type="slidenum">
               <a:rPr lang="zh-CN" altLang="en-US" smtClean="0"/>
-              <a:t>‹#›</a:t>
             </a:fld>
             <a:endParaRPr lang="zh-CN" altLang="en-US"/>
           </a:p>
         </p:txBody>
       </p:sp>
     </p:spTree>
-    <p:extLst>
-      <p:ext uri="{BB962C8B-B14F-4D97-AF65-F5344CB8AC3E}">
-        <p14:creationId xmlns:p14="http://schemas.microsoft.com/office/powerpoint/2010/main" val="2066534533"/>
-      </p:ext>
-    </p:extLst>
   </p:cSld>
   <p:clrMapOvr>
     <a:masterClrMapping/>
@@ -3916,7 +3877,6 @@
           <a:p>
             <a:fld id="{58936D1E-ACA8-46F2-B767-16D6FBB4A4D1}" type="datetimeFigureOut">
               <a:rPr lang="zh-CN" altLang="en-US" smtClean="0"/>
-              <a:t>2017/8/24</a:t>
             </a:fld>
             <a:endParaRPr lang="zh-CN" altLang="en-US"/>
           </a:p>
@@ -3958,18 +3918,12 @@
           <a:p>
             <a:fld id="{8404C24E-94DB-4729-B73F-7166A497D3A5}" type="slidenum">
               <a:rPr lang="zh-CN" altLang="en-US" smtClean="0"/>
-              <a:t>‹#›</a:t>
             </a:fld>
             <a:endParaRPr lang="zh-CN" altLang="en-US"/>
           </a:p>
         </p:txBody>
       </p:sp>
     </p:spTree>
-    <p:extLst>
-      <p:ext uri="{BB962C8B-B14F-4D97-AF65-F5344CB8AC3E}">
-        <p14:creationId xmlns:p14="http://schemas.microsoft.com/office/powerpoint/2010/main" val="1770810633"/>
-      </p:ext>
-    </p:extLst>
   </p:cSld>
   <p:clrMapOvr>
     <a:masterClrMapping/>
@@ -4055,6 +4009,7 @@
               <a:rPr lang="zh-CN" altLang="en-US" smtClean="0"/>
               <a:t>单击此处编辑母版文本样式</a:t>
             </a:r>
+            <a:endParaRPr lang="zh-CN" altLang="en-US" smtClean="0"/>
           </a:p>
           <a:p>
             <a:pPr lvl="1"/>
@@ -4062,6 +4017,7 @@
               <a:rPr lang="zh-CN" altLang="en-US" smtClean="0"/>
               <a:t>第二级</a:t>
             </a:r>
+            <a:endParaRPr lang="zh-CN" altLang="en-US" smtClean="0"/>
           </a:p>
           <a:p>
             <a:pPr lvl="2"/>
@@ -4069,6 +4025,7 @@
               <a:rPr lang="zh-CN" altLang="en-US" smtClean="0"/>
               <a:t>第三级</a:t>
             </a:r>
+            <a:endParaRPr lang="zh-CN" altLang="en-US" smtClean="0"/>
           </a:p>
           <a:p>
             <a:pPr lvl="3"/>
@@ -4076,6 +4033,7 @@
               <a:rPr lang="zh-CN" altLang="en-US" smtClean="0"/>
               <a:t>第四级</a:t>
             </a:r>
+            <a:endParaRPr lang="zh-CN" altLang="en-US" smtClean="0"/>
           </a:p>
           <a:p>
             <a:pPr lvl="4"/>
@@ -4151,6 +4109,7 @@
               <a:rPr lang="zh-CN" altLang="en-US" smtClean="0"/>
               <a:t>单击此处编辑母版文本样式</a:t>
             </a:r>
+            <a:endParaRPr lang="zh-CN" altLang="en-US" smtClean="0"/>
           </a:p>
         </p:txBody>
       </p:sp>
@@ -4171,7 +4130,6 @@
           <a:p>
             <a:fld id="{58936D1E-ACA8-46F2-B767-16D6FBB4A4D1}" type="datetimeFigureOut">
               <a:rPr lang="zh-CN" altLang="en-US" smtClean="0"/>
-              <a:t>2017/8/24</a:t>
             </a:fld>
             <a:endParaRPr lang="zh-CN" altLang="en-US"/>
           </a:p>
@@ -4213,18 +4171,12 @@
           <a:p>
             <a:fld id="{8404C24E-94DB-4729-B73F-7166A497D3A5}" type="slidenum">
               <a:rPr lang="zh-CN" altLang="en-US" smtClean="0"/>
-              <a:t>‹#›</a:t>
             </a:fld>
             <a:endParaRPr lang="zh-CN" altLang="en-US"/>
           </a:p>
         </p:txBody>
       </p:sp>
     </p:spTree>
-    <p:extLst>
-      <p:ext uri="{BB962C8B-B14F-4D97-AF65-F5344CB8AC3E}">
-        <p14:creationId xmlns:p14="http://schemas.microsoft.com/office/powerpoint/2010/main" val="3909941270"/>
-      </p:ext>
-    </p:extLst>
   </p:cSld>
   <p:clrMapOvr>
     <a:masterClrMapping/>
@@ -4434,6 +4386,7 @@
               <a:rPr lang="zh-CN" altLang="en-US" smtClean="0"/>
               <a:t>单击此处编辑母版文本样式</a:t>
             </a:r>
+            <a:endParaRPr lang="zh-CN" altLang="en-US" smtClean="0"/>
           </a:p>
         </p:txBody>
       </p:sp>
@@ -4454,7 +4407,6 @@
           <a:p>
             <a:fld id="{58936D1E-ACA8-46F2-B767-16D6FBB4A4D1}" type="datetimeFigureOut">
               <a:rPr lang="zh-CN" altLang="en-US" smtClean="0"/>
-              <a:t>2017/8/24</a:t>
             </a:fld>
             <a:endParaRPr lang="zh-CN" altLang="en-US"/>
           </a:p>
@@ -4496,18 +4448,12 @@
           <a:p>
             <a:fld id="{8404C24E-94DB-4729-B73F-7166A497D3A5}" type="slidenum">
               <a:rPr lang="zh-CN" altLang="en-US" smtClean="0"/>
-              <a:t>‹#›</a:t>
             </a:fld>
             <a:endParaRPr lang="zh-CN" altLang="en-US"/>
           </a:p>
         </p:txBody>
       </p:sp>
     </p:spTree>
-    <p:extLst>
-      <p:ext uri="{BB962C8B-B14F-4D97-AF65-F5344CB8AC3E}">
-        <p14:creationId xmlns:p14="http://schemas.microsoft.com/office/powerpoint/2010/main" val="2270314809"/>
-      </p:ext>
-    </p:extLst>
   </p:cSld>
   <p:clrMapOvr>
     <a:masterClrMapping/>
@@ -4791,6 +4737,7 @@
               <a:rPr lang="zh-CN" altLang="en-US" smtClean="0"/>
               <a:t>单击此处编辑母版文本样式</a:t>
             </a:r>
+            <a:endParaRPr lang="zh-CN" altLang="en-US" smtClean="0"/>
           </a:p>
           <a:p>
             <a:pPr lvl="1"/>
@@ -4798,6 +4745,7 @@
               <a:rPr lang="zh-CN" altLang="en-US" smtClean="0"/>
               <a:t>第二级</a:t>
             </a:r>
+            <a:endParaRPr lang="zh-CN" altLang="en-US" smtClean="0"/>
           </a:p>
           <a:p>
             <a:pPr lvl="2"/>
@@ -4805,6 +4753,7 @@
               <a:rPr lang="zh-CN" altLang="en-US" smtClean="0"/>
               <a:t>第三级</a:t>
             </a:r>
+            <a:endParaRPr lang="zh-CN" altLang="en-US" smtClean="0"/>
           </a:p>
           <a:p>
             <a:pPr lvl="3"/>
@@ -4812,6 +4761,7 @@
               <a:rPr lang="zh-CN" altLang="en-US" smtClean="0"/>
               <a:t>第四级</a:t>
             </a:r>
+            <a:endParaRPr lang="zh-CN" altLang="en-US" smtClean="0"/>
           </a:p>
           <a:p>
             <a:pPr lvl="4"/>
@@ -4860,7 +4810,6 @@
           <a:p>
             <a:fld id="{58936D1E-ACA8-46F2-B767-16D6FBB4A4D1}" type="datetimeFigureOut">
               <a:rPr lang="zh-CN" altLang="en-US" smtClean="0"/>
-              <a:t>2017/8/24</a:t>
             </a:fld>
             <a:endParaRPr lang="zh-CN" altLang="en-US"/>
           </a:p>
@@ -4942,38 +4891,32 @@
           <a:p>
             <a:fld id="{8404C24E-94DB-4729-B73F-7166A497D3A5}" type="slidenum">
               <a:rPr lang="zh-CN" altLang="en-US" smtClean="0"/>
-              <a:t>‹#›</a:t>
             </a:fld>
             <a:endParaRPr lang="zh-CN" altLang="en-US"/>
           </a:p>
         </p:txBody>
       </p:sp>
     </p:spTree>
-    <p:extLst>
-      <p:ext uri="{BB962C8B-B14F-4D97-AF65-F5344CB8AC3E}">
-        <p14:creationId xmlns:p14="http://schemas.microsoft.com/office/powerpoint/2010/main" val="888975485"/>
-      </p:ext>
-    </p:extLst>
   </p:cSld>
   <p:clrMap bg1="dk1" tx1="lt1" bg2="dk2" tx2="lt2" accent1="accent1" accent2="accent2" accent3="accent3" accent4="accent4" accent5="accent5" accent6="accent6" hlink="hlink" folHlink="folHlink"/>
   <p:sldLayoutIdLst>
-    <p:sldLayoutId id="2147483661" r:id="rId1"/>
-    <p:sldLayoutId id="2147483662" r:id="rId2"/>
-    <p:sldLayoutId id="2147483663" r:id="rId3"/>
-    <p:sldLayoutId id="2147483664" r:id="rId4"/>
-    <p:sldLayoutId id="2147483665" r:id="rId5"/>
-    <p:sldLayoutId id="2147483666" r:id="rId6"/>
-    <p:sldLayoutId id="2147483667" r:id="rId7"/>
-    <p:sldLayoutId id="2147483668" r:id="rId8"/>
-    <p:sldLayoutId id="2147483669" r:id="rId9"/>
-    <p:sldLayoutId id="2147483670" r:id="rId10"/>
-    <p:sldLayoutId id="2147483671" r:id="rId11"/>
-    <p:sldLayoutId id="2147483672" r:id="rId12"/>
-    <p:sldLayoutId id="2147483673" r:id="rId13"/>
-    <p:sldLayoutId id="2147483674" r:id="rId14"/>
-    <p:sldLayoutId id="2147483675" r:id="rId15"/>
-    <p:sldLayoutId id="2147483676" r:id="rId16"/>
-    <p:sldLayoutId id="2147483677" r:id="rId17"/>
+    <p:sldLayoutId id="2147483649" r:id="rId1"/>
+    <p:sldLayoutId id="2147483650" r:id="rId2"/>
+    <p:sldLayoutId id="2147483651" r:id="rId3"/>
+    <p:sldLayoutId id="2147483652" r:id="rId4"/>
+    <p:sldLayoutId id="2147483653" r:id="rId5"/>
+    <p:sldLayoutId id="2147483654" r:id="rId6"/>
+    <p:sldLayoutId id="2147483655" r:id="rId7"/>
+    <p:sldLayoutId id="2147483656" r:id="rId8"/>
+    <p:sldLayoutId id="2147483657" r:id="rId9"/>
+    <p:sldLayoutId id="2147483658" r:id="rId10"/>
+    <p:sldLayoutId id="2147483659" r:id="rId11"/>
+    <p:sldLayoutId id="2147483660" r:id="rId12"/>
+    <p:sldLayoutId id="2147483661" r:id="rId13"/>
+    <p:sldLayoutId id="2147483662" r:id="rId14"/>
+    <p:sldLayoutId id="2147483663" r:id="rId15"/>
+    <p:sldLayoutId id="2147483664" r:id="rId16"/>
+    <p:sldLayoutId id="2147483665" r:id="rId17"/>
   </p:sldLayoutIdLst>
   <p:txStyles>
     <p:titleStyle>
@@ -5449,11 +5392,6 @@
         </p:txBody>
       </p:sp>
     </p:spTree>
-    <p:extLst>
-      <p:ext uri="{BB962C8B-B14F-4D97-AF65-F5344CB8AC3E}">
-        <p14:creationId xmlns:p14="http://schemas.microsoft.com/office/powerpoint/2010/main" val="1017962697"/>
-      </p:ext>
-    </p:extLst>
   </p:cSld>
   <p:clrMapOvr>
     <a:masterClrMapping/>
@@ -5664,7 +5602,7 @@
           <p:nvPr/>
         </p:nvPicPr>
         <p:blipFill>
-          <a:blip r:embed="rId2"/>
+          <a:blip r:embed="rId1"/>
           <a:stretch>
             <a:fillRect/>
           </a:stretch>
@@ -5680,11 +5618,6 @@
         </p:spPr>
       </p:pic>
     </p:spTree>
-    <p:extLst>
-      <p:ext uri="{BB962C8B-B14F-4D97-AF65-F5344CB8AC3E}">
-        <p14:creationId xmlns:p14="http://schemas.microsoft.com/office/powerpoint/2010/main" val="99533522"/>
-      </p:ext>
-    </p:extLst>
   </p:cSld>
   <p:clrMapOvr>
     <a:masterClrMapping/>
@@ -5841,6 +5774,7 @@
               <a:rPr lang="en-US" altLang="zh-CN" sz="8000" dirty="0" smtClean="0"/>
               <a:t>     </a:t>
             </a:r>
+            <a:endParaRPr lang="en-US" altLang="zh-CN" sz="8000" dirty="0" smtClean="0"/>
           </a:p>
           <a:p>
             <a:r>
@@ -5863,6 +5797,7 @@
               <a:rPr lang="zh-CN" altLang="en-US" sz="8000" dirty="0"/>
               <a:t>负载过高。</a:t>
             </a:r>
+            <a:endParaRPr lang="zh-CN" altLang="en-US" sz="8000" dirty="0"/>
           </a:p>
           <a:p>
             <a:r>
@@ -5893,6 +5828,7 @@
               <a:rPr lang="zh-CN" altLang="en-US" sz="8000" dirty="0"/>
               <a:t>在干什么呢？</a:t>
             </a:r>
+            <a:endParaRPr lang="zh-CN" altLang="en-US" sz="8000" dirty="0"/>
           </a:p>
           <a:p>
             <a:r>
@@ -5939,6 +5875,7 @@
               <a:rPr lang="zh-CN" altLang="en-US" sz="8000" dirty="0"/>
               <a:t>的信息处理函数，</a:t>
             </a:r>
+            <a:endParaRPr lang="zh-CN" altLang="en-US" sz="8000" dirty="0"/>
           </a:p>
           <a:p>
             <a:r>
@@ -6001,6 +5938,7 @@
               <a:rPr lang="zh-CN" altLang="en-US" sz="8000" dirty="0"/>
               <a:t>中去。</a:t>
             </a:r>
+            <a:endParaRPr lang="zh-CN" altLang="en-US" sz="8000" dirty="0"/>
           </a:p>
           <a:p>
             <a:r>
@@ -6115,7 +6053,7 @@
           <p:nvPr/>
         </p:nvPicPr>
         <p:blipFill>
-          <a:blip r:embed="rId2"/>
+          <a:blip r:embed="rId1"/>
           <a:stretch>
             <a:fillRect/>
           </a:stretch>
@@ -6131,11 +6069,6 @@
         </p:spPr>
       </p:pic>
     </p:spTree>
-    <p:extLst>
-      <p:ext uri="{BB962C8B-B14F-4D97-AF65-F5344CB8AC3E}">
-        <p14:creationId xmlns:p14="http://schemas.microsoft.com/office/powerpoint/2010/main" val="2068497729"/>
-      </p:ext>
-    </p:extLst>
   </p:cSld>
   <p:clrMapOvr>
     <a:masterClrMapping/>
@@ -6281,7 +6214,7 @@
           <p:nvPr/>
         </p:nvPicPr>
         <p:blipFill>
-          <a:blip r:embed="rId2">
+          <a:blip r:embed="rId1">
             <a:extLst>
               <a:ext uri="{28A0092B-C50C-407E-A947-70E740481C1C}">
                 <a14:useLocalDpi xmlns:a14="http://schemas.microsoft.com/office/drawing/2010/main" val="0"/>
@@ -6303,11 +6236,6 @@
         </p:spPr>
       </p:pic>
     </p:spTree>
-    <p:extLst>
-      <p:ext uri="{BB962C8B-B14F-4D97-AF65-F5344CB8AC3E}">
-        <p14:creationId xmlns:p14="http://schemas.microsoft.com/office/powerpoint/2010/main" val="1977027131"/>
-      </p:ext>
-    </p:extLst>
   </p:cSld>
   <p:clrMapOvr>
     <a:masterClrMapping/>
@@ -6407,6 +6335,7 @@
               <a:rPr lang="zh-CN" altLang="en-US" dirty="0"/>
               <a:t>程序在干嘛呢？</a:t>
             </a:r>
+            <a:endParaRPr lang="zh-CN" altLang="en-US" dirty="0"/>
           </a:p>
           <a:p>
             <a:r>
@@ -6604,6 +6533,7 @@
               <a:rPr lang="zh-CN" altLang="en-US" dirty="0"/>
               <a:t>出来。</a:t>
             </a:r>
+            <a:endParaRPr lang="zh-CN" altLang="en-US" dirty="0"/>
           </a:p>
           <a:p>
             <a:r>
@@ -6622,6 +6552,7 @@
               <a:rPr lang="zh-CN" altLang="en-US" dirty="0"/>
               <a:t>请求</a:t>
             </a:r>
+            <a:endParaRPr lang="zh-CN" altLang="en-US" dirty="0"/>
           </a:p>
           <a:p>
             <a:r>
@@ -6656,6 +6587,7 @@
               <a:rPr lang="en-US" altLang="zh-CN" dirty="0"/>
               <a:t> &gt;&gt; traces.txt</a:t>
             </a:r>
+            <a:endParaRPr lang="en-US" altLang="zh-CN" dirty="0"/>
           </a:p>
           <a:p>
             <a:r>
@@ -6670,11 +6602,6 @@
         </p:txBody>
       </p:sp>
     </p:spTree>
-    <p:extLst>
-      <p:ext uri="{BB962C8B-B14F-4D97-AF65-F5344CB8AC3E}">
-        <p14:creationId xmlns:p14="http://schemas.microsoft.com/office/powerpoint/2010/main" val="3813233814"/>
-      </p:ext>
-    </p:extLst>
   </p:cSld>
   <p:clrMapOvr>
     <a:masterClrMapping/>
@@ -6775,7 +6702,7 @@
           <p:nvPr/>
         </p:nvPicPr>
         <p:blipFill>
-          <a:blip r:embed="rId2">
+          <a:blip r:embed="rId1">
             <a:extLst>
               <a:ext uri="{28A0092B-C50C-407E-A947-70E740481C1C}">
                 <a14:useLocalDpi xmlns:a14="http://schemas.microsoft.com/office/drawing/2010/main" val="0"/>
@@ -6797,11 +6724,6 @@
         </p:spPr>
       </p:pic>
     </p:spTree>
-    <p:extLst>
-      <p:ext uri="{BB962C8B-B14F-4D97-AF65-F5344CB8AC3E}">
-        <p14:creationId xmlns:p14="http://schemas.microsoft.com/office/powerpoint/2010/main" val="4272879479"/>
-      </p:ext>
-    </p:extLst>
   </p:cSld>
   <p:clrMapOvr>
     <a:masterClrMapping/>
@@ -6918,12 +6840,14 @@
               <a:rPr lang="zh-CN" altLang="en-US" dirty="0"/>
               <a:t>如上所示</a:t>
             </a:r>
+            <a:endParaRPr lang="zh-CN" altLang="en-US" dirty="0"/>
           </a:p>
           <a:p>
             <a:r>
               <a:rPr lang="zh-CN" altLang="en-US" dirty="0"/>
               <a:t>      又懵了吧？ 一堆 二进制文件。</a:t>
             </a:r>
+            <a:endParaRPr lang="zh-CN" altLang="en-US" dirty="0"/>
           </a:p>
           <a:p>
             <a:r>
@@ -6946,6 +6870,7 @@
               <a:rPr lang="zh-CN" altLang="en-US" dirty="0"/>
               <a:t>文件确定对应行号</a:t>
             </a:r>
+            <a:endParaRPr lang="zh-CN" altLang="en-US" dirty="0"/>
           </a:p>
           <a:p>
             <a:r>
@@ -6960,6 +6885,7 @@
               <a:rPr lang="zh-CN" altLang="en-US" dirty="0"/>
               <a:t>其它部分可以使用同样命令</a:t>
             </a:r>
+            <a:endParaRPr lang="zh-CN" altLang="en-US" dirty="0"/>
           </a:p>
           <a:p>
             <a:r>
@@ -6997,11 +6923,6 @@
         </p:txBody>
       </p:sp>
     </p:spTree>
-    <p:extLst>
-      <p:ext uri="{BB962C8B-B14F-4D97-AF65-F5344CB8AC3E}">
-        <p14:creationId xmlns:p14="http://schemas.microsoft.com/office/powerpoint/2010/main" val="627919714"/>
-      </p:ext>
-    </p:extLst>
   </p:cSld>
   <p:clrMapOvr>
     <a:masterClrMapping/>
@@ -7114,7 +7035,7 @@
           <p:nvPr/>
         </p:nvPicPr>
         <p:blipFill>
-          <a:blip r:embed="rId2">
+          <a:blip r:embed="rId1">
             <a:extLst>
               <a:ext uri="{28A0092B-C50C-407E-A947-70E740481C1C}">
                 <a14:useLocalDpi xmlns:a14="http://schemas.microsoft.com/office/drawing/2010/main" val="0"/>
@@ -7136,11 +7057,6 @@
         </p:spPr>
       </p:pic>
     </p:spTree>
-    <p:extLst>
-      <p:ext uri="{BB962C8B-B14F-4D97-AF65-F5344CB8AC3E}">
-        <p14:creationId xmlns:p14="http://schemas.microsoft.com/office/powerpoint/2010/main" val="3070932656"/>
-      </p:ext>
-    </p:extLst>
   </p:cSld>
   <p:clrMapOvr>
     <a:masterClrMapping/>
@@ -7335,6 +7251,7 @@
               <a:rPr lang="en-US" altLang="zh-CN" dirty="0" smtClean="0"/>
               <a:t>B</a:t>
             </a:r>
+            <a:endParaRPr lang="en-US" altLang="zh-CN" dirty="0" smtClean="0"/>
           </a:p>
           <a:p>
             <a:pPr marL="457200" indent="-457200">
@@ -7521,11 +7438,6 @@
         </p:txBody>
       </p:sp>
     </p:spTree>
-    <p:extLst>
-      <p:ext uri="{BB962C8B-B14F-4D97-AF65-F5344CB8AC3E}">
-        <p14:creationId xmlns:p14="http://schemas.microsoft.com/office/powerpoint/2010/main" val="3320709609"/>
-      </p:ext>
-    </p:extLst>
   </p:cSld>
   <p:clrMapOvr>
     <a:masterClrMapping/>
@@ -7646,7 +7558,7 @@
           <p:nvPr/>
         </p:nvPicPr>
         <p:blipFill>
-          <a:blip r:embed="rId2"/>
+          <a:blip r:embed="rId1"/>
           <a:stretch>
             <a:fillRect/>
           </a:stretch>
@@ -7662,11 +7574,6 @@
         </p:spPr>
       </p:pic>
     </p:spTree>
-    <p:extLst>
-      <p:ext uri="{BB962C8B-B14F-4D97-AF65-F5344CB8AC3E}">
-        <p14:creationId xmlns:p14="http://schemas.microsoft.com/office/powerpoint/2010/main" val="2292349325"/>
-      </p:ext>
-    </p:extLst>
   </p:cSld>
   <p:clrMapOvr>
     <a:masterClrMapping/>
@@ -7799,6 +7706,7 @@
               <a:rPr lang="en-US" altLang="zh-CN" dirty="0" smtClean="0"/>
               <a:t>load: 33.33/33.52/44.38</a:t>
             </a:r>
+            <a:endParaRPr lang="en-US" altLang="zh-CN" dirty="0" smtClean="0"/>
           </a:p>
           <a:p>
             <a:r>
@@ -8014,6 +7922,7 @@
               <a:rPr lang="en-US" altLang="zh-CN" dirty="0" smtClean="0"/>
               <a:t>:ZONE_DMA,ZONE_NORMAL,ZONE_HIGHMEM</a:t>
             </a:r>
+            <a:endParaRPr lang="en-US" altLang="zh-CN" dirty="0" smtClean="0"/>
           </a:p>
           <a:p>
             <a:r>
@@ -8134,7 +8043,7 @@
           <p:nvPr/>
         </p:nvPicPr>
         <p:blipFill>
-          <a:blip r:embed="rId2"/>
+          <a:blip r:embed="rId1"/>
           <a:stretch>
             <a:fillRect/>
           </a:stretch>
@@ -8150,11 +8059,6 @@
         </p:spPr>
       </p:pic>
     </p:spTree>
-    <p:extLst>
-      <p:ext uri="{BB962C8B-B14F-4D97-AF65-F5344CB8AC3E}">
-        <p14:creationId xmlns:p14="http://schemas.microsoft.com/office/powerpoint/2010/main" val="1021392722"/>
-      </p:ext>
-    </p:extLst>
   </p:cSld>
   <p:clrMapOvr>
     <a:masterClrMapping/>
@@ -8281,7 +8185,7 @@
           <p:nvPr/>
         </p:nvPicPr>
         <p:blipFill>
-          <a:blip r:embed="rId2"/>
+          <a:blip r:embed="rId1"/>
           <a:stretch>
             <a:fillRect/>
           </a:stretch>
@@ -8297,11 +8201,6 @@
         </p:spPr>
       </p:pic>
     </p:spTree>
-    <p:extLst>
-      <p:ext uri="{BB962C8B-B14F-4D97-AF65-F5344CB8AC3E}">
-        <p14:creationId xmlns:p14="http://schemas.microsoft.com/office/powerpoint/2010/main" val="3067139339"/>
-      </p:ext>
-    </p:extLst>
   </p:cSld>
   <p:clrMapOvr>
     <a:masterClrMapping/>
@@ -8422,7 +8321,7 @@
           <p:nvPr/>
         </p:nvPicPr>
         <p:blipFill>
-          <a:blip r:embed="rId2"/>
+          <a:blip r:embed="rId1"/>
           <a:stretch>
             <a:fillRect/>
           </a:stretch>
@@ -8438,11 +8337,6 @@
         </p:spPr>
       </p:pic>
     </p:spTree>
-    <p:extLst>
-      <p:ext uri="{BB962C8B-B14F-4D97-AF65-F5344CB8AC3E}">
-        <p14:creationId xmlns:p14="http://schemas.microsoft.com/office/powerpoint/2010/main" val="579321974"/>
-      </p:ext>
-    </p:extLst>
   </p:cSld>
   <p:clrMapOvr>
     <a:masterClrMapping/>
@@ -8712,6 +8606,7 @@
               <a:rPr lang="en-US" altLang="zh-CN" dirty="0" smtClean="0"/>
               <a:t>page</a:t>
             </a:r>
+            <a:endParaRPr lang="en-US" altLang="zh-CN" dirty="0" smtClean="0"/>
           </a:p>
           <a:p>
             <a:r>
@@ -8799,11 +8694,6 @@
         </p:txBody>
       </p:sp>
     </p:spTree>
-    <p:extLst>
-      <p:ext uri="{BB962C8B-B14F-4D97-AF65-F5344CB8AC3E}">
-        <p14:creationId xmlns:p14="http://schemas.microsoft.com/office/powerpoint/2010/main" val="3279710328"/>
-      </p:ext>
-    </p:extLst>
   </p:cSld>
   <p:clrMapOvr>
     <a:masterClrMapping/>
@@ -8903,7 +8793,7 @@
           <p:nvPr/>
         </p:nvPicPr>
         <p:blipFill>
-          <a:blip r:embed="rId2">
+          <a:blip r:embed="rId1">
             <a:extLst>
               <a:ext uri="{28A0092B-C50C-407E-A947-70E740481C1C}">
                 <a14:useLocalDpi xmlns:a14="http://schemas.microsoft.com/office/drawing/2010/main" val="0"/>
@@ -8925,11 +8815,6 @@
         </p:spPr>
       </p:pic>
     </p:spTree>
-    <p:extLst>
-      <p:ext uri="{BB962C8B-B14F-4D97-AF65-F5344CB8AC3E}">
-        <p14:creationId xmlns:p14="http://schemas.microsoft.com/office/powerpoint/2010/main" val="716312374"/>
-      </p:ext>
-    </p:extLst>
   </p:cSld>
   <p:clrMapOvr>
     <a:masterClrMapping/>
@@ -9056,10 +8941,6 @@
               <a:rPr lang="en-US" altLang="zh-CN" dirty="0" err="1"/>
               <a:t>mProcessesToGc</a:t>
             </a:r>
-            <a:r>
-              <a:rPr lang="en-US" altLang="zh-CN" dirty="0"/>
-              <a:t/>
-            </a:r>
             <a:br>
               <a:rPr lang="en-US" altLang="zh-CN" dirty="0"/>
             </a:br>
@@ -9067,6 +8948,7 @@
               <a:rPr lang="zh-CN" altLang="en-US" dirty="0"/>
               <a:t>的加入进来。</a:t>
             </a:r>
+            <a:endParaRPr lang="zh-CN" altLang="en-US" dirty="0"/>
           </a:p>
           <a:p>
             <a:r>
@@ -9156,6 +9038,7 @@
               <a:rPr lang="zh-CN" altLang="en-US" dirty="0"/>
               <a:t>中去</a:t>
             </a:r>
+            <a:endParaRPr lang="zh-CN" altLang="en-US" dirty="0"/>
           </a:p>
           <a:p>
             <a:r>
@@ -9221,6 +9104,7 @@
               <a:rPr lang="zh-CN" altLang="en-US" dirty="0"/>
               <a:t>有了这个概念，我们来看看实例</a:t>
             </a:r>
+            <a:endParaRPr lang="zh-CN" altLang="en-US" dirty="0"/>
           </a:p>
           <a:p>
             <a:endParaRPr lang="en-US" altLang="zh-CN" dirty="0"/>
@@ -9240,11 +9124,6 @@
         </p:txBody>
       </p:sp>
     </p:spTree>
-    <p:extLst>
-      <p:ext uri="{BB962C8B-B14F-4D97-AF65-F5344CB8AC3E}">
-        <p14:creationId xmlns:p14="http://schemas.microsoft.com/office/powerpoint/2010/main" val="2292070387"/>
-      </p:ext>
-    </p:extLst>
   </p:cSld>
   <p:clrMapOvr>
     <a:masterClrMapping/>
@@ -9371,10 +9250,6 @@
               <a:rPr lang="en-US" altLang="zh-CN" dirty="0" err="1"/>
               <a:t>mProcessesToGc</a:t>
             </a:r>
-            <a:r>
-              <a:rPr lang="en-US" altLang="zh-CN" dirty="0"/>
-              <a:t/>
-            </a:r>
             <a:br>
               <a:rPr lang="en-US" altLang="zh-CN" dirty="0"/>
             </a:br>
@@ -9382,6 +9257,7 @@
               <a:rPr lang="zh-CN" altLang="en-US" dirty="0"/>
               <a:t>的加入进来。</a:t>
             </a:r>
+            <a:endParaRPr lang="zh-CN" altLang="en-US" dirty="0"/>
           </a:p>
           <a:p>
             <a:r>
@@ -9471,6 +9347,7 @@
               <a:rPr lang="zh-CN" altLang="en-US" dirty="0"/>
               <a:t>中去</a:t>
             </a:r>
+            <a:endParaRPr lang="zh-CN" altLang="en-US" dirty="0"/>
           </a:p>
           <a:p>
             <a:r>
@@ -9536,6 +9413,7 @@
               <a:rPr lang="zh-CN" altLang="en-US" dirty="0"/>
               <a:t>有了这个概念，我们来看看实例</a:t>
             </a:r>
+            <a:endParaRPr lang="zh-CN" altLang="en-US" dirty="0"/>
           </a:p>
           <a:p>
             <a:endParaRPr lang="en-US" altLang="zh-CN" dirty="0"/>
@@ -9555,11 +9433,6 @@
         </p:txBody>
       </p:sp>
     </p:spTree>
-    <p:extLst>
-      <p:ext uri="{BB962C8B-B14F-4D97-AF65-F5344CB8AC3E}">
-        <p14:creationId xmlns:p14="http://schemas.microsoft.com/office/powerpoint/2010/main" val="2952545103"/>
-      </p:ext>
-    </p:extLst>
   </p:cSld>
   <p:clrMapOvr>
     <a:masterClrMapping/>
@@ -9686,7 +9559,7 @@
           <p:nvPr/>
         </p:nvPicPr>
         <p:blipFill>
-          <a:blip r:embed="rId2">
+          <a:blip r:embed="rId1">
             <a:extLst>
               <a:ext uri="{28A0092B-C50C-407E-A947-70E740481C1C}">
                 <a14:useLocalDpi xmlns:a14="http://schemas.microsoft.com/office/drawing/2010/main" val="0"/>
@@ -9708,11 +9581,6 @@
         </p:spPr>
       </p:pic>
     </p:spTree>
-    <p:extLst>
-      <p:ext uri="{BB962C8B-B14F-4D97-AF65-F5344CB8AC3E}">
-        <p14:creationId xmlns:p14="http://schemas.microsoft.com/office/powerpoint/2010/main" val="3271487493"/>
-      </p:ext>
-    </p:extLst>
   </p:cSld>
   <p:clrMapOvr>
     <a:masterClrMapping/>
@@ -9894,7 +9762,7 @@
           <p:nvPr/>
         </p:nvPicPr>
         <p:blipFill>
-          <a:blip r:embed="rId2">
+          <a:blip r:embed="rId1">
             <a:extLst>
               <a:ext uri="{28A0092B-C50C-407E-A947-70E740481C1C}">
                 <a14:useLocalDpi xmlns:a14="http://schemas.microsoft.com/office/drawing/2010/main" val="0"/>
@@ -9916,11 +9784,6 @@
         </p:spPr>
       </p:pic>
     </p:spTree>
-    <p:extLst>
-      <p:ext uri="{BB962C8B-B14F-4D97-AF65-F5344CB8AC3E}">
-        <p14:creationId xmlns:p14="http://schemas.microsoft.com/office/powerpoint/2010/main" val="3116124672"/>
-      </p:ext>
-    </p:extLst>
   </p:cSld>
   <p:clrMapOvr>
     <a:masterClrMapping/>
@@ -10125,6 +9988,7 @@
               <a:rPr lang="zh-CN" altLang="en-US" dirty="0"/>
               <a:t>流程。</a:t>
             </a:r>
+            <a:endParaRPr lang="zh-CN" altLang="en-US" dirty="0"/>
           </a:p>
           <a:p>
             <a:r>
@@ -10191,6 +10055,7 @@
               <a:rPr lang="zh-CN" altLang="en-US" dirty="0"/>
               <a:t>问题。</a:t>
             </a:r>
+            <a:endParaRPr lang="zh-CN" altLang="en-US" dirty="0"/>
           </a:p>
           <a:p>
             <a:r>
@@ -10245,11 +10110,6 @@
         </p:txBody>
       </p:sp>
     </p:spTree>
-    <p:extLst>
-      <p:ext uri="{BB962C8B-B14F-4D97-AF65-F5344CB8AC3E}">
-        <p14:creationId xmlns:p14="http://schemas.microsoft.com/office/powerpoint/2010/main" val="4216211193"/>
-      </p:ext>
-    </p:extLst>
   </p:cSld>
   <p:clrMapOvr>
     <a:masterClrMapping/>
@@ -10307,11 +10167,6 @@
         </p:txBody>
       </p:sp>
     </p:spTree>
-    <p:extLst>
-      <p:ext uri="{BB962C8B-B14F-4D97-AF65-F5344CB8AC3E}">
-        <p14:creationId xmlns:p14="http://schemas.microsoft.com/office/powerpoint/2010/main" val="2647244082"/>
-      </p:ext>
-    </p:extLst>
   </p:cSld>
   <p:clrMapOvr>
     <a:masterClrMapping/>
@@ -10449,6 +10304,7 @@
               <a:rPr lang="en-US" altLang="zh-CN" dirty="0" smtClean="0"/>
               <a:t>:</a:t>
             </a:r>
+            <a:endParaRPr lang="en-US" altLang="zh-CN" dirty="0" smtClean="0"/>
           </a:p>
           <a:p>
             <a:endParaRPr lang="en-US" altLang="zh-CN" dirty="0" smtClean="0"/>
@@ -10466,6 +10322,7 @@
               <a:rPr lang="en-US" altLang="zh-CN" dirty="0" smtClean="0"/>
               <a:t>top</a:t>
             </a:r>
+            <a:endParaRPr lang="en-US" altLang="zh-CN" dirty="0" smtClean="0"/>
           </a:p>
           <a:p>
             <a:r>
@@ -10504,6 +10361,7 @@
               <a:rPr lang="en-US" altLang="zh-CN" dirty="0" smtClean="0"/>
               <a:t> XXX</a:t>
             </a:r>
+            <a:endParaRPr lang="en-US" altLang="zh-CN" dirty="0" smtClean="0"/>
           </a:p>
           <a:p>
             <a:r>
@@ -10547,11 +10405,6 @@
         </p:txBody>
       </p:sp>
     </p:spTree>
-    <p:extLst>
-      <p:ext uri="{BB962C8B-B14F-4D97-AF65-F5344CB8AC3E}">
-        <p14:creationId xmlns:p14="http://schemas.microsoft.com/office/powerpoint/2010/main" val="4279495605"/>
-      </p:ext>
-    </p:extLst>
   </p:cSld>
   <p:clrMapOvr>
     <a:masterClrMapping/>
@@ -10658,6 +10511,7 @@
               <a:rPr lang="en-US" altLang="zh-CN" dirty="0" smtClean="0"/>
               <a:t> shell top –t –m 5 –d 1</a:t>
             </a:r>
+            <a:endParaRPr lang="en-US" altLang="zh-CN" dirty="0" smtClean="0"/>
           </a:p>
           <a:p>
             <a:r>
@@ -10889,6 +10743,7 @@
               <a:rPr lang="en-US" altLang="zh-CN" dirty="0" smtClean="0"/>
               <a:t>,</a:t>
             </a:r>
+            <a:endParaRPr lang="en-US" altLang="zh-CN" dirty="0" smtClean="0"/>
           </a:p>
           <a:p>
             <a:r>
@@ -10994,11 +10849,6 @@
         </p:txBody>
       </p:sp>
     </p:spTree>
-    <p:extLst>
-      <p:ext uri="{BB962C8B-B14F-4D97-AF65-F5344CB8AC3E}">
-        <p14:creationId xmlns:p14="http://schemas.microsoft.com/office/powerpoint/2010/main" val="783859330"/>
-      </p:ext>
-    </p:extLst>
   </p:cSld>
   <p:clrMapOvr>
     <a:masterClrMapping/>
@@ -11134,7 +10984,7 @@
           <p:nvPr/>
         </p:nvPicPr>
         <p:blipFill>
-          <a:blip r:embed="rId2">
+          <a:blip r:embed="rId1">
             <a:extLst>
               <a:ext uri="{28A0092B-C50C-407E-A947-70E740481C1C}">
                 <a14:useLocalDpi xmlns:a14="http://schemas.microsoft.com/office/drawing/2010/main" val="0"/>
@@ -11156,11 +11006,6 @@
         </p:spPr>
       </p:pic>
     </p:spTree>
-    <p:extLst>
-      <p:ext uri="{BB962C8B-B14F-4D97-AF65-F5344CB8AC3E}">
-        <p14:creationId xmlns:p14="http://schemas.microsoft.com/office/powerpoint/2010/main" val="935349150"/>
-      </p:ext>
-    </p:extLst>
   </p:cSld>
   <p:clrMapOvr>
     <a:masterClrMapping/>
@@ -11299,6 +11144,7 @@
               <a:rPr lang="en-US" altLang="zh-CN" dirty="0" smtClean="0"/>
               <a:t> –n 1 </a:t>
             </a:r>
+            <a:endParaRPr lang="en-US" altLang="zh-CN" dirty="0" smtClean="0"/>
           </a:p>
           <a:p>
             <a:endParaRPr lang="en-US" altLang="zh-CN" dirty="0" smtClean="0"/>
@@ -11347,7 +11193,7 @@
           <p:nvPr/>
         </p:nvPicPr>
         <p:blipFill>
-          <a:blip r:embed="rId2">
+          <a:blip r:embed="rId1">
             <a:extLst>
               <a:ext uri="{28A0092B-C50C-407E-A947-70E740481C1C}">
                 <a14:useLocalDpi xmlns:a14="http://schemas.microsoft.com/office/drawing/2010/main" val="0"/>
@@ -11369,11 +11215,6 @@
         </p:spPr>
       </p:pic>
     </p:spTree>
-    <p:extLst>
-      <p:ext uri="{BB962C8B-B14F-4D97-AF65-F5344CB8AC3E}">
-        <p14:creationId xmlns:p14="http://schemas.microsoft.com/office/powerpoint/2010/main" val="2129038811"/>
-      </p:ext>
-    </p:extLst>
   </p:cSld>
   <p:clrMapOvr>
     <a:masterClrMapping/>
@@ -11575,6 +11416,7 @@
               <a:rPr lang="en-US" altLang="zh-CN" dirty="0" smtClean="0"/>
               <a:t>  </a:t>
             </a:r>
+            <a:endParaRPr lang="en-US" altLang="zh-CN" dirty="0" smtClean="0"/>
           </a:p>
           <a:p>
             <a:r>
@@ -11788,11 +11630,6 @@
         </p:txBody>
       </p:sp>
     </p:spTree>
-    <p:extLst>
-      <p:ext uri="{BB962C8B-B14F-4D97-AF65-F5344CB8AC3E}">
-        <p14:creationId xmlns:p14="http://schemas.microsoft.com/office/powerpoint/2010/main" val="3092067986"/>
-      </p:ext>
-    </p:extLst>
   </p:cSld>
   <p:clrMapOvr>
     <a:masterClrMapping/>
@@ -11949,6 +11786,7 @@
               <a:rPr lang="en-US" altLang="zh-CN" sz="8000" dirty="0" smtClean="0"/>
               <a:t>     </a:t>
             </a:r>
+            <a:endParaRPr lang="en-US" altLang="zh-CN" sz="8000" dirty="0" smtClean="0"/>
           </a:p>
           <a:p>
             <a:r>
@@ -11971,6 +11809,7 @@
               <a:rPr lang="zh-CN" altLang="en-US" sz="8000" dirty="0"/>
               <a:t>负载过高。</a:t>
             </a:r>
+            <a:endParaRPr lang="zh-CN" altLang="en-US" sz="8000" dirty="0"/>
           </a:p>
           <a:p>
             <a:r>
@@ -12001,6 +11840,7 @@
               <a:rPr lang="zh-CN" altLang="en-US" sz="8000" dirty="0"/>
               <a:t>在干什么呢？</a:t>
             </a:r>
+            <a:endParaRPr lang="zh-CN" altLang="en-US" sz="8000" dirty="0"/>
           </a:p>
           <a:p>
             <a:r>
@@ -12047,6 +11887,7 @@
               <a:rPr lang="zh-CN" altLang="en-US" sz="8000" dirty="0"/>
               <a:t>的信息处理函数，</a:t>
             </a:r>
+            <a:endParaRPr lang="zh-CN" altLang="en-US" sz="8000" dirty="0"/>
           </a:p>
           <a:p>
             <a:r>
@@ -12109,6 +11950,7 @@
               <a:rPr lang="zh-CN" altLang="en-US" sz="8000" dirty="0"/>
               <a:t>中去。</a:t>
             </a:r>
+            <a:endParaRPr lang="zh-CN" altLang="en-US" sz="8000" dirty="0"/>
           </a:p>
           <a:p>
             <a:r>
@@ -12151,6 +11993,7 @@
               <a:rPr lang="en-US" altLang="zh-CN" sz="8000" dirty="0" smtClean="0"/>
               <a:t>:</a:t>
             </a:r>
+            <a:endParaRPr lang="en-US" altLang="zh-CN" sz="8000" dirty="0" smtClean="0"/>
           </a:p>
           <a:p>
             <a:r>
@@ -12185,6 +12028,7 @@
               <a:rPr lang="en-US" altLang="zh-CN" sz="8000" dirty="0" smtClean="0"/>
               <a:t>traces.txt</a:t>
             </a:r>
+            <a:endParaRPr lang="en-US" altLang="zh-CN" sz="8000" dirty="0" smtClean="0"/>
           </a:p>
           <a:p>
             <a:r>
@@ -12260,7 +12104,7 @@
           <p:nvPr/>
         </p:nvPicPr>
         <p:blipFill>
-          <a:blip r:embed="rId2"/>
+          <a:blip r:embed="rId1"/>
           <a:stretch>
             <a:fillRect/>
           </a:stretch>
@@ -12276,11 +12120,6 @@
         </p:spPr>
       </p:pic>
     </p:spTree>
-    <p:extLst>
-      <p:ext uri="{BB962C8B-B14F-4D97-AF65-F5344CB8AC3E}">
-        <p14:creationId xmlns:p14="http://schemas.microsoft.com/office/powerpoint/2010/main" val="2403023615"/>
-      </p:ext>
-    </p:extLst>
   </p:cSld>
   <p:clrMapOvr>
     <a:masterClrMapping/>
@@ -12481,7 +12320,7 @@
           <p:nvPr/>
         </p:nvPicPr>
         <p:blipFill>
-          <a:blip r:embed="rId2"/>
+          <a:blip r:embed="rId1"/>
           <a:stretch>
             <a:fillRect/>
           </a:stretch>
@@ -12497,11 +12336,6 @@
         </p:spPr>
       </p:pic>
     </p:spTree>
-    <p:extLst>
-      <p:ext uri="{BB962C8B-B14F-4D97-AF65-F5344CB8AC3E}">
-        <p14:creationId xmlns:p14="http://schemas.microsoft.com/office/powerpoint/2010/main" val="335851758"/>
-      </p:ext>
-    </p:extLst>
   </p:cSld>
   <p:clrMapOvr>
     <a:masterClrMapping/>
@@ -12559,7 +12393,7 @@
     </a:clrScheme>
     <a:fontScheme name="切片">
       <a:majorFont>
-        <a:latin typeface="Century Gothic" panose="020B0502020202020204"/>
+        <a:latin typeface="Century Gothic"/>
         <a:ea typeface=""/>
         <a:cs typeface=""/>
         <a:font script="Jpan" typeface="メイリオ"/>
@@ -12594,7 +12428,7 @@
         <a:font script="Geor" typeface="Sylfaen"/>
       </a:majorFont>
       <a:minorFont>
-        <a:latin typeface="Century Gothic" panose="020B0502020202020204"/>
+        <a:latin typeface="Century Gothic"/>
         <a:ea typeface=""/>
         <a:cs typeface=""/>
         <a:font script="Jpan" typeface="メイリオ"/>
@@ -12780,11 +12614,9 @@
       </a:bgFillStyleLst>
     </a:fmtScheme>
   </a:themeElements>
-  <a:objectDefaults/>
-  <a:extraClrSchemeLst/>
   <a:extLst>
     <a:ext uri="{05A4C25C-085E-4340-85A3-A5531E510DB2}">
-      <thm15:themeFamily xmlns:thm15="http://schemas.microsoft.com/office/thememl/2012/main" name="Slice" id="{0507925B-6AC9-4358-8E18-C330545D08F8}" vid="{13FEC7C6-62A9-40C4-99D2-581AACACAA2F}"/>
+      <thm15:themeFamily xmlns:thm15="http://schemas.microsoft.com/office/thememl/2012/main" name="Office Theme" id="{62F939B6-93AF-4DB8-9C6B-D6C7DFDC589F}" vid="{4A3C46E8-61CC-4603-A589-7422A47A8E4A}"/>
     </a:ext>
   </a:extLst>
 </a:theme>
